--- a/3.Python_자료형/3.Python_자료형.pptx
+++ b/3.Python_자료형/3.Python_자료형.pptx
@@ -242,7 +242,7 @@
           <a:p>
             <a:fld id="{860E4C0E-3822-4470-875C-25F6E634D1E2}" type="datetimeFigureOut">
               <a:rPr lang="ko-KR" altLang="en-US" smtClean="0"/>
-              <a:t>2021-05-13</a:t>
+              <a:t>2021-05-19</a:t>
             </a:fld>
             <a:endParaRPr lang="ko-KR" altLang="en-US"/>
           </a:p>
@@ -660,7 +660,7 @@
           <a:p>
             <a:fld id="{3D067A03-45D1-4EAE-8DA0-F79B7BEE625A}" type="datetimeFigureOut">
               <a:rPr lang="ko-KR" altLang="en-US" smtClean="0"/>
-              <a:t>2021-05-13</a:t>
+              <a:t>2021-05-19</a:t>
             </a:fld>
             <a:endParaRPr lang="ko-KR" altLang="en-US"/>
           </a:p>
@@ -1384,7 +1384,7 @@
           <a:p>
             <a:fld id="{3D067A03-45D1-4EAE-8DA0-F79B7BEE625A}" type="datetimeFigureOut">
               <a:rPr lang="ko-KR" altLang="en-US" smtClean="0"/>
-              <a:t>2021-05-13</a:t>
+              <a:t>2021-05-19</a:t>
             </a:fld>
             <a:endParaRPr lang="ko-KR" altLang="en-US"/>
           </a:p>
@@ -1975,7 +1975,7 @@
           <a:p>
             <a:fld id="{3D067A03-45D1-4EAE-8DA0-F79B7BEE625A}" type="datetimeFigureOut">
               <a:rPr lang="ko-KR" altLang="en-US" smtClean="0"/>
-              <a:t>2021-05-13</a:t>
+              <a:t>2021-05-19</a:t>
             </a:fld>
             <a:endParaRPr lang="ko-KR" altLang="en-US"/>
           </a:p>
@@ -2491,7 +2491,7 @@
           <a:p>
             <a:fld id="{3D067A03-45D1-4EAE-8DA0-F79B7BEE625A}" type="datetimeFigureOut">
               <a:rPr lang="ko-KR" altLang="en-US" smtClean="0"/>
-              <a:t>2021-05-13</a:t>
+              <a:t>2021-05-19</a:t>
             </a:fld>
             <a:endParaRPr lang="ko-KR" altLang="en-US"/>
           </a:p>
@@ -3072,7 +3072,7 @@
           <a:p>
             <a:fld id="{3D067A03-45D1-4EAE-8DA0-F79B7BEE625A}" type="datetimeFigureOut">
               <a:rPr lang="ko-KR" altLang="en-US" smtClean="0"/>
-              <a:t>2021-05-13</a:t>
+              <a:t>2021-05-19</a:t>
             </a:fld>
             <a:endParaRPr lang="ko-KR" altLang="en-US"/>
           </a:p>
@@ -3726,7 +3726,7 @@
           <a:p>
             <a:fld id="{3D067A03-45D1-4EAE-8DA0-F79B7BEE625A}" type="datetimeFigureOut">
               <a:rPr lang="ko-KR" altLang="en-US" smtClean="0"/>
-              <a:t>2021-05-13</a:t>
+              <a:t>2021-05-19</a:t>
             </a:fld>
             <a:endParaRPr lang="ko-KR" altLang="en-US"/>
           </a:p>
@@ -4374,7 +4374,7 @@
           <a:p>
             <a:fld id="{3D067A03-45D1-4EAE-8DA0-F79B7BEE625A}" type="datetimeFigureOut">
               <a:rPr lang="ko-KR" altLang="en-US" smtClean="0"/>
-              <a:t>2021-05-13</a:t>
+              <a:t>2021-05-19</a:t>
             </a:fld>
             <a:endParaRPr lang="ko-KR" altLang="en-US"/>
           </a:p>
@@ -5169,7 +5169,7 @@
           <a:p>
             <a:fld id="{3D067A03-45D1-4EAE-8DA0-F79B7BEE625A}" type="datetimeFigureOut">
               <a:rPr lang="ko-KR" altLang="en-US" smtClean="0"/>
-              <a:t>2021-05-13</a:t>
+              <a:t>2021-05-19</a:t>
             </a:fld>
             <a:endParaRPr lang="ko-KR" altLang="en-US"/>
           </a:p>
@@ -5693,7 +5693,7 @@
           <a:p>
             <a:fld id="{3D067A03-45D1-4EAE-8DA0-F79B7BEE625A}" type="datetimeFigureOut">
               <a:rPr lang="ko-KR" altLang="en-US" smtClean="0"/>
-              <a:t>2021-05-13</a:t>
+              <a:t>2021-05-19</a:t>
             </a:fld>
             <a:endParaRPr lang="ko-KR" altLang="en-US"/>
           </a:p>
@@ -6181,7 +6181,7 @@
           <a:p>
             <a:fld id="{3D067A03-45D1-4EAE-8DA0-F79B7BEE625A}" type="datetimeFigureOut">
               <a:rPr lang="ko-KR" altLang="en-US" smtClean="0"/>
-              <a:t>2021-05-13</a:t>
+              <a:t>2021-05-19</a:t>
             </a:fld>
             <a:endParaRPr lang="ko-KR" altLang="en-US"/>
           </a:p>
@@ -6891,7 +6891,7 @@
           <a:p>
             <a:fld id="{3D067A03-45D1-4EAE-8DA0-F79B7BEE625A}" type="datetimeFigureOut">
               <a:rPr lang="ko-KR" altLang="en-US" smtClean="0"/>
-              <a:t>2021-05-13</a:t>
+              <a:t>2021-05-19</a:t>
             </a:fld>
             <a:endParaRPr lang="ko-KR" altLang="en-US"/>
           </a:p>
@@ -7558,7 +7558,7 @@
           <a:p>
             <a:fld id="{3D067A03-45D1-4EAE-8DA0-F79B7BEE625A}" type="datetimeFigureOut">
               <a:rPr lang="ko-KR" altLang="en-US" smtClean="0"/>
-              <a:t>2021-05-13</a:t>
+              <a:t>2021-05-19</a:t>
             </a:fld>
             <a:endParaRPr lang="ko-KR" altLang="en-US"/>
           </a:p>
@@ -8174,7 +8174,7 @@
           <a:p>
             <a:fld id="{3D067A03-45D1-4EAE-8DA0-F79B7BEE625A}" type="datetimeFigureOut">
               <a:rPr lang="ko-KR" altLang="en-US" smtClean="0"/>
-              <a:t>2021-05-13</a:t>
+              <a:t>2021-05-19</a:t>
             </a:fld>
             <a:endParaRPr lang="ko-KR" altLang="en-US"/>
           </a:p>
@@ -21725,22 +21725,22 @@
         </p:nvSpPr>
         <p:spPr>
           <a:xfrm>
-            <a:off x="838200" y="1825625"/>
+            <a:off x="838200" y="1690688"/>
             <a:ext cx="10515600" cy="4667250"/>
           </a:xfrm>
         </p:spPr>
         <p:txBody>
           <a:bodyPr>
-            <a:normAutofit fontScale="92500" lnSpcReduction="10000"/>
+            <a:normAutofit fontScale="62500" lnSpcReduction="20000"/>
           </a:bodyPr>
           <a:lstStyle/>
           <a:p>
             <a:r>
-              <a:rPr lang="ko-KR" altLang="en-US" sz="3000" b="1" dirty="0"/>
+              <a:rPr lang="ko-KR" altLang="en-US" sz="4500" b="1" dirty="0"/>
               <a:t>리스트 정렬</a:t>
             </a:r>
             <a:r>
-              <a:rPr lang="en-US" altLang="ko-KR" sz="3000" b="1" dirty="0"/>
+              <a:rPr lang="en-US" altLang="ko-KR" sz="4500" b="1" dirty="0"/>
               <a:t>(sort)</a:t>
             </a:r>
           </a:p>
@@ -21749,15 +21749,15 @@
               <a:buNone/>
             </a:pPr>
             <a:r>
-              <a:rPr lang="en-US" altLang="ko-KR" sz="2600" dirty="0"/>
+              <a:rPr lang="en-US" altLang="ko-KR" sz="3100" dirty="0"/>
               <a:t>sort </a:t>
             </a:r>
             <a:r>
-              <a:rPr lang="ko-KR" altLang="en-US" sz="2600" dirty="0"/>
+              <a:rPr lang="ko-KR" altLang="en-US" sz="3100" dirty="0"/>
               <a:t>함수는 리스트의 요소를 순서대로 정렬해 준다</a:t>
             </a:r>
             <a:r>
-              <a:rPr lang="en-US" altLang="ko-KR" sz="2600" dirty="0"/>
+              <a:rPr lang="en-US" altLang="ko-KR" sz="3100" dirty="0"/>
               <a:t>.</a:t>
             </a:r>
           </a:p>
@@ -21766,12 +21766,12 @@
               <a:buNone/>
             </a:pPr>
             <a:r>
-              <a:rPr lang="pt-BR" altLang="ko-KR" dirty="0"/>
+              <a:rPr lang="pt-BR" altLang="ko-KR" sz="3100" dirty="0"/>
               <a:t>	</a:t>
             </a:r>
             <a:r>
-              <a:rPr lang="pt-BR" altLang="ko-KR" sz="3000" dirty="0"/>
-              <a:t>a = [1, 2, 3, 4] </a:t>
+              <a:rPr lang="pt-BR" altLang="ko-KR" sz="3800" dirty="0"/>
+              <a:t>a = [ 4, 2, 1, 3 ] </a:t>
             </a:r>
           </a:p>
           <a:p>
@@ -21779,39 +21779,40 @@
               <a:buNone/>
             </a:pPr>
             <a:r>
-              <a:rPr lang="pt-BR" altLang="ko-KR" sz="3000" dirty="0"/>
+              <a:rPr lang="pt-BR" altLang="ko-KR" sz="3800" dirty="0"/>
               <a:t>	</a:t>
             </a:r>
             <a:r>
-              <a:rPr lang="en-US" altLang="ko-KR" sz="3000" dirty="0" err="1"/>
+              <a:rPr lang="en-US" altLang="ko-KR" sz="3800" dirty="0" err="1"/>
               <a:t>a.sort</a:t>
             </a:r>
             <a:r>
-              <a:rPr lang="en-US" altLang="ko-KR" sz="3000" dirty="0"/>
+              <a:rPr lang="en-US" altLang="ko-KR" sz="3800" dirty="0"/>
               <a:t>()</a:t>
             </a:r>
             <a:r>
-              <a:rPr lang="ko-KR" altLang="en-US" sz="3000" dirty="0"/>
+              <a:rPr lang="ko-KR" altLang="en-US" sz="3800" dirty="0"/>
               <a:t> </a:t>
             </a:r>
-            <a:endParaRPr lang="en-US" altLang="ko-KR" sz="3000" dirty="0"/>
+            <a:endParaRPr lang="en-US" altLang="ko-KR" sz="3800" dirty="0"/>
           </a:p>
           <a:p>
             <a:pPr marL="0" indent="0">
               <a:buNone/>
             </a:pPr>
             <a:r>
-              <a:rPr lang="en-US" altLang="ko-KR" sz="3000" dirty="0"/>
+              <a:rPr lang="en-US" altLang="ko-KR" sz="3800" dirty="0"/>
               <a:t>	a </a:t>
             </a:r>
             <a:r>
-              <a:rPr lang="ko-KR" altLang="en-US" sz="3000" dirty="0"/>
+              <a:rPr lang="ko-KR" altLang="en-US" sz="3800" dirty="0"/>
               <a:t>는 </a:t>
             </a:r>
             <a:r>
-              <a:rPr lang="en-US" altLang="ko-KR" sz="3000" dirty="0"/>
+              <a:rPr lang="en-US" altLang="ko-KR" sz="3800" dirty="0"/>
               <a:t>[1, 2, 3, 4]</a:t>
             </a:r>
+            <a:endParaRPr lang="pt-BR" altLang="ko-KR" sz="3800" dirty="0"/>
           </a:p>
           <a:p>
             <a:pPr marL="0" indent="0">
@@ -21821,70 +21822,73 @@
           </a:p>
           <a:p>
             <a:r>
-              <a:rPr lang="ko-KR" altLang="en-US" sz="3000" b="1" dirty="0"/>
+              <a:rPr lang="ko-KR" altLang="en-US" sz="4500" b="1" dirty="0"/>
               <a:t>리스트 뒤집기</a:t>
             </a:r>
             <a:r>
-              <a:rPr lang="en-US" altLang="ko-KR" sz="3000" b="1" dirty="0"/>
+              <a:rPr lang="en-US" altLang="ko-KR" sz="4500" b="1" dirty="0"/>
               <a:t>(reverse)</a:t>
             </a:r>
           </a:p>
           <a:p>
             <a:pPr marL="457200" lvl="1" indent="0">
-              <a:buNone/>
-            </a:pPr>
-            <a:r>
-              <a:rPr lang="en-US" altLang="ko-KR" sz="2600" dirty="0"/>
-              <a:t>append(x)</a:t>
-            </a:r>
-            <a:r>
-              <a:rPr lang="ko-KR" altLang="en-US" sz="2600" dirty="0"/>
-              <a:t>는 리스트의 맨 마지막에 </a:t>
-            </a:r>
-            <a:r>
-              <a:rPr lang="en-US" altLang="ko-KR" sz="2600" dirty="0"/>
-              <a:t>x</a:t>
-            </a:r>
-            <a:r>
-              <a:rPr lang="ko-KR" altLang="en-US" sz="2600" dirty="0"/>
-              <a:t>를 추가하는 함수이다</a:t>
-            </a:r>
-            <a:r>
-              <a:rPr lang="en-US" altLang="ko-KR" sz="2600" dirty="0"/>
+              <a:lnSpc>
+                <a:spcPct val="120000"/>
+              </a:lnSpc>
+              <a:buNone/>
+            </a:pPr>
+            <a:r>
+              <a:rPr lang="en-US" altLang="ko-KR" sz="3400" dirty="0"/>
+              <a:t>reverse </a:t>
+            </a:r>
+            <a:r>
+              <a:rPr lang="ko-KR" altLang="en-US" sz="3400" dirty="0"/>
+              <a:t>함수는 리스트를 역순으로 뒤집어 준다</a:t>
+            </a:r>
+            <a:r>
+              <a:rPr lang="en-US" altLang="ko-KR" sz="3400" dirty="0"/>
+              <a:t>. </a:t>
+            </a:r>
+            <a:r>
+              <a:rPr lang="ko-KR" altLang="en-US" sz="3400" dirty="0"/>
+              <a:t>이때 리스트 요소들을 순서대로 정렬한 다음 다시 역순으로 정렬하는 것이 아니라 그저 현재의 리스트를 그대로 거꾸로 뒤집는다</a:t>
+            </a:r>
+            <a:r>
+              <a:rPr lang="en-US" altLang="ko-KR" sz="3400" dirty="0"/>
               <a:t>.</a:t>
             </a:r>
           </a:p>
           <a:p>
+            <a:pPr marL="457200" lvl="1" indent="0">
+              <a:buNone/>
+            </a:pPr>
+            <a:r>
+              <a:rPr lang="en-US" altLang="ko-KR" sz="3100" b="1" dirty="0"/>
+              <a:t>	</a:t>
+            </a:r>
+            <a:r>
+              <a:rPr lang="en-US" altLang="ko-KR" sz="4000" dirty="0" err="1"/>
+              <a:t>a.reverse</a:t>
+            </a:r>
+            <a:r>
+              <a:rPr lang="en-US" altLang="ko-KR" sz="4000" dirty="0"/>
+              <a:t>()</a:t>
+            </a:r>
+          </a:p>
+          <a:p>
             <a:pPr marL="0" indent="0">
               <a:buNone/>
             </a:pPr>
             <a:r>
-              <a:rPr lang="en-US" altLang="ko-KR" b="1" dirty="0"/>
-              <a:t>	</a:t>
-            </a:r>
-            <a:r>
-              <a:rPr lang="en-US" altLang="ko-KR" sz="3000" dirty="0" err="1"/>
-              <a:t>a.reverse</a:t>
-            </a:r>
-            <a:r>
-              <a:rPr lang="en-US" altLang="ko-KR" sz="3000" dirty="0"/>
-              <a:t>()</a:t>
-            </a:r>
-          </a:p>
-          <a:p>
-            <a:pPr marL="0" indent="0">
-              <a:buNone/>
-            </a:pPr>
-            <a:r>
-              <a:rPr lang="en-US" altLang="ko-KR" sz="3000" dirty="0"/>
+              <a:rPr lang="en-US" altLang="ko-KR" sz="4000" dirty="0"/>
               <a:t>	a </a:t>
             </a:r>
             <a:r>
-              <a:rPr lang="ko-KR" altLang="en-US" sz="3000" dirty="0"/>
+              <a:rPr lang="ko-KR" altLang="en-US" sz="4000" dirty="0"/>
               <a:t>는 </a:t>
             </a:r>
             <a:r>
-              <a:rPr lang="en-US" altLang="ko-KR" sz="3000" dirty="0"/>
+              <a:rPr lang="en-US" altLang="ko-KR" sz="4000" dirty="0"/>
               <a:t>[ 4, 3, 2, 1 ]</a:t>
             </a:r>
             <a:br>
@@ -22501,21 +22505,6 @@
 </file>
 
 <file path=customXml/item1.xml><?xml version="1.0" encoding="utf-8"?>
-<p:properties xmlns:p="http://schemas.microsoft.com/office/2006/metadata/properties" xmlns:xsi="http://www.w3.org/2001/XMLSchema-instance" xmlns:pc="http://schemas.microsoft.com/office/infopath/2007/PartnerControls">
-  <documentManagement/>
-</p:properties>
-</file>
-
-<file path=customXml/item2.xml><?xml version="1.0" encoding="utf-8"?>
-<?mso-contentType ?>
-<FormTemplates xmlns="http://schemas.microsoft.com/sharepoint/v3/contenttype/forms">
-  <Display>DocumentLibraryForm</Display>
-  <Edit>DocumentLibraryForm</Edit>
-  <New>DocumentLibraryForm</New>
-</FormTemplates>
-</file>
-
-<file path=customXml/item3.xml><?xml version="1.0" encoding="utf-8"?>
 <ct:contentTypeSchema xmlns:ct="http://schemas.microsoft.com/office/2006/metadata/contentType" xmlns:ma="http://schemas.microsoft.com/office/2006/metadata/properties/metaAttributes" ct:_="" ma:_="" ma:contentTypeName="문서" ma:contentTypeID="0x010100724BE246D5096A49A61468620B4F694C" ma:contentTypeVersion="2" ma:contentTypeDescription="새 문서를 만듭니다." ma:contentTypeScope="" ma:versionID="ffc1fd754d50385c74eaa0c429a23f87">
   <xsd:schema xmlns:xsd="http://www.w3.org/2001/XMLSchema" xmlns:xs="http://www.w3.org/2001/XMLSchema" xmlns:p="http://schemas.microsoft.com/office/2006/metadata/properties" xmlns:ns3="0e4de794-19e7-4a03-8a25-6601fbe4a2ad" targetNamespace="http://schemas.microsoft.com/office/2006/metadata/properties" ma:root="true" ma:fieldsID="37d4eeb6abfbeb3504662c7bbcc66b17" ns3:_="">
     <xsd:import namespace="0e4de794-19e7-4a03-8a25-6601fbe4a2ad"/>
@@ -22647,7 +22636,40 @@
 </ct:contentTypeSchema>
 </file>
 
+<file path=customXml/item2.xml><?xml version="1.0" encoding="utf-8"?>
+<p:properties xmlns:p="http://schemas.microsoft.com/office/2006/metadata/properties" xmlns:xsi="http://www.w3.org/2001/XMLSchema-instance" xmlns:pc="http://schemas.microsoft.com/office/infopath/2007/PartnerControls">
+  <documentManagement/>
+</p:properties>
+</file>
+
+<file path=customXml/item3.xml><?xml version="1.0" encoding="utf-8"?>
+<?mso-contentType ?>
+<FormTemplates xmlns="http://schemas.microsoft.com/sharepoint/v3/contenttype/forms">
+  <Display>DocumentLibraryForm</Display>
+  <Edit>DocumentLibraryForm</Edit>
+  <New>DocumentLibraryForm</New>
+</FormTemplates>
+</file>
+
 <file path=customXml/itemProps1.xml><?xml version="1.0" encoding="utf-8"?>
+<ds:datastoreItem xmlns:ds="http://schemas.openxmlformats.org/officeDocument/2006/customXml" ds:itemID="{08C9C6FB-1032-40F6-99A4-A36D9F16D83B}">
+  <ds:schemaRefs>
+    <ds:schemaRef ds:uri="http://schemas.microsoft.com/office/2006/metadata/contentType"/>
+    <ds:schemaRef ds:uri="http://schemas.microsoft.com/office/2006/metadata/properties/metaAttributes"/>
+    <ds:schemaRef ds:uri="http://www.w3.org/2001/XMLSchema"/>
+    <ds:schemaRef ds:uri="http://schemas.microsoft.com/office/2006/metadata/properties"/>
+    <ds:schemaRef ds:uri="0e4de794-19e7-4a03-8a25-6601fbe4a2ad"/>
+    <ds:schemaRef ds:uri="http://schemas.microsoft.com/office/2006/documentManagement/types"/>
+    <ds:schemaRef ds:uri="http://schemas.microsoft.com/office/infopath/2007/PartnerControls"/>
+    <ds:schemaRef ds:uri="http://schemas.openxmlformats.org/package/2006/metadata/core-properties"/>
+    <ds:schemaRef ds:uri="http://purl.org/dc/elements/1.1/"/>
+    <ds:schemaRef ds:uri="http://purl.org/dc/terms/"/>
+    <ds:schemaRef ds:uri="http://schemas.microsoft.com/internal/obd"/>
+  </ds:schemaRefs>
+</ds:datastoreItem>
+</file>
+
+<file path=customXml/itemProps2.xml><?xml version="1.0" encoding="utf-8"?>
 <ds:datastoreItem xmlns:ds="http://schemas.openxmlformats.org/officeDocument/2006/customXml" ds:itemID="{78B8425E-138E-4BE1-A1A1-DEAF16F7CC80}">
   <ds:schemaRefs>
     <ds:schemaRef ds:uri="http://purl.org/dc/terms/"/>
@@ -22663,28 +22685,10 @@
 </ds:datastoreItem>
 </file>
 
-<file path=customXml/itemProps2.xml><?xml version="1.0" encoding="utf-8"?>
+<file path=customXml/itemProps3.xml><?xml version="1.0" encoding="utf-8"?>
 <ds:datastoreItem xmlns:ds="http://schemas.openxmlformats.org/officeDocument/2006/customXml" ds:itemID="{B94506D1-FFA9-47EE-B148-AFA604BEB1B8}">
   <ds:schemaRefs>
     <ds:schemaRef ds:uri="http://schemas.microsoft.com/sharepoint/v3/contenttype/forms"/>
   </ds:schemaRefs>
 </ds:datastoreItem>
-</file>
-
-<file path=customXml/itemProps3.xml><?xml version="1.0" encoding="utf-8"?>
-<ds:datastoreItem xmlns:ds="http://schemas.openxmlformats.org/officeDocument/2006/customXml" ds:itemID="{08C9C6FB-1032-40F6-99A4-A36D9F16D83B}">
-  <ds:schemaRefs>
-    <ds:schemaRef ds:uri="http://schemas.microsoft.com/office/2006/metadata/contentType"/>
-    <ds:schemaRef ds:uri="http://schemas.microsoft.com/office/2006/metadata/properties/metaAttributes"/>
-    <ds:schemaRef ds:uri="http://www.w3.org/2001/XMLSchema"/>
-    <ds:schemaRef ds:uri="http://schemas.microsoft.com/office/2006/metadata/properties"/>
-    <ds:schemaRef ds:uri="0e4de794-19e7-4a03-8a25-6601fbe4a2ad"/>
-    <ds:schemaRef ds:uri="http://schemas.microsoft.com/office/2006/documentManagement/types"/>
-    <ds:schemaRef ds:uri="http://schemas.microsoft.com/office/infopath/2007/PartnerControls"/>
-    <ds:schemaRef ds:uri="http://schemas.openxmlformats.org/package/2006/metadata/core-properties"/>
-    <ds:schemaRef ds:uri="http://purl.org/dc/elements/1.1/"/>
-    <ds:schemaRef ds:uri="http://purl.org/dc/terms/"/>
-    <ds:schemaRef ds:uri="http://schemas.microsoft.com/internal/obd"/>
-  </ds:schemaRefs>
-</ds:datastoreItem>
 </file>